--- a/meterials/slides/第13章 LAMP环境安装.pptx
+++ b/meterials/slides/第13章 LAMP环境安装.pptx
@@ -15969,7 +15969,7 @@
               <a:pPr>
                 <a:defRPr/>
               </a:pPr>
-              <a:t>2017/9/6</a:t>
+              <a:t>2017/9/7</a:t>
             </a:fld>
             <a:endParaRPr lang="zh-CN" altLang="en-US" dirty="0"/>
           </a:p>
@@ -16093,7 +16093,7 @@
               <a:pPr>
                 <a:defRPr/>
               </a:pPr>
-              <a:t>2017/9/6</a:t>
+              <a:t>2017/9/7</a:t>
             </a:fld>
             <a:endParaRPr lang="zh-CN" altLang="en-US"/>
           </a:p>
@@ -19687,7 +19687,7 @@
             </a:pPr>
             <a:fld id="{8CF0E5D5-9972-4659-99DE-9E12F66CED64}" type="datetime2">
               <a:rPr lang="zh-CN" altLang="en-US" smtClean="0"/>
-              <a:t>2017年9月6日</a:t>
+              <a:t>2017年9月7日</a:t>
             </a:fld>
             <a:endParaRPr lang="zh-CN" altLang="en-US"/>
           </a:p>
@@ -33517,8 +33517,8 @@
         </p:blipFill>
         <p:spPr bwMode="auto">
           <a:xfrm>
-            <a:off x="7775004" y="1196752"/>
-            <a:ext cx="2353444" cy="1506204"/>
+            <a:off x="8328247" y="848708"/>
+            <a:ext cx="3068841" cy="1964058"/>
           </a:xfrm>
           <a:prstGeom prst="rect">
             <a:avLst/>
@@ -33550,8 +33550,8 @@
         </p:blipFill>
         <p:spPr>
           <a:xfrm>
-            <a:off x="1991544" y="2970772"/>
-            <a:ext cx="7128792" cy="3471458"/>
+            <a:off x="1847528" y="2778397"/>
+            <a:ext cx="7416824" cy="3776109"/>
           </a:xfrm>
           <a:prstGeom prst="rect">
             <a:avLst/>
